--- a/PyPereira_LR/Regresion Lineal.pptx
+++ b/PyPereira_LR/Regresion Lineal.pptx
@@ -1129,26 +1129,26 @@
             </a:lnSpc>
           </a:pPr>
           <a:r>
-            <a:rPr lang="es-CO" sz="1600"/>
+            <a:rPr lang="es-CO" sz="1600" dirty="0"/>
             <a:t>¿La variable independiente </a:t>
           </a:r>
           <a:r>
-            <a:rPr lang="es-CO" sz="1600" b="1" i="1"/>
+            <a:rPr lang="es-CO" sz="1600" b="1" i="1" dirty="0"/>
             <a:t>x </a:t>
           </a:r>
           <a:r>
-            <a:rPr lang="es-CO" sz="1600"/>
+            <a:rPr lang="es-CO" sz="1600" dirty="0"/>
             <a:t>es útil para predecir la variable de respuesta </a:t>
           </a:r>
           <a:r>
-            <a:rPr lang="es-CO" sz="1600" b="1" i="1"/>
+            <a:rPr lang="es-CO" sz="1600" b="1" i="1" dirty="0"/>
             <a:t>y</a:t>
           </a:r>
           <a:r>
-            <a:rPr lang="es-CO" sz="1600"/>
+            <a:rPr lang="es-CO" sz="1600" dirty="0"/>
             <a:t>?</a:t>
           </a:r>
-          <a:endParaRPr lang="en-US" sz="1600"/>
+          <a:endParaRPr lang="en-US" sz="1600" dirty="0"/>
         </a:p>
       </dgm:t>
     </dgm:pt>
@@ -1192,22 +1192,22 @@
             </a:lnSpc>
           </a:pPr>
           <a:r>
-            <a:rPr lang="es-CO" sz="1600"/>
+            <a:rPr lang="es-CO" sz="1600" dirty="0"/>
             <a:t>Si el modelo no es útil quiere decir que los valores de </a:t>
           </a:r>
           <a:r>
-            <a:rPr lang="es-CO" sz="1600" b="1" i="1"/>
+            <a:rPr lang="es-CO" sz="1600" b="1" i="1" dirty="0"/>
             <a:t>y</a:t>
           </a:r>
           <a:r>
-            <a:rPr lang="es-CO" sz="1600"/>
+            <a:rPr lang="es-CO" sz="1600" dirty="0"/>
             <a:t> no cambian cuando cambio los valores de </a:t>
           </a:r>
           <a:r>
-            <a:rPr lang="es-CO" sz="1600" b="1" i="1"/>
+            <a:rPr lang="es-CO" sz="1600" b="1" i="1" dirty="0"/>
             <a:t>x</a:t>
           </a:r>
-          <a:endParaRPr lang="en-US" sz="1600"/>
+          <a:endParaRPr lang="en-US" sz="1600" dirty="0"/>
         </a:p>
       </dgm:t>
     </dgm:pt>
@@ -1251,18 +1251,18 @@
             </a:lnSpc>
           </a:pPr>
           <a:r>
-            <a:rPr lang="es-CO" sz="1600"/>
+            <a:rPr lang="es-CO" sz="1600" dirty="0"/>
             <a:t>Es decir que β</a:t>
           </a:r>
           <a:r>
-            <a:rPr lang="es-CO" sz="1600" baseline="-25000"/>
+            <a:rPr lang="es-CO" sz="1600" baseline="-25000" dirty="0"/>
             <a:t>1</a:t>
           </a:r>
           <a:r>
-            <a:rPr lang="es-CO" sz="1600"/>
+            <a:rPr lang="es-CO" sz="1600" dirty="0"/>
             <a:t> es igual a 0</a:t>
           </a:r>
-          <a:endParaRPr lang="en-US" sz="1600"/>
+          <a:endParaRPr lang="en-US" sz="1600" dirty="0"/>
         </a:p>
       </dgm:t>
     </dgm:pt>
@@ -1311,11 +1311,11 @@
       <dgm:spPr/>
     </dgm:pt>
     <dgm:pt modelId="{2D131DE2-FDE1-4FEF-A30A-09076B789211}" type="pres">
-      <dgm:prSet presAssocID="{33A5AD66-74AE-411C-A4C5-DB9ADCB40840}" presName="iconBgRect" presStyleLbl="bgShp" presStyleIdx="0" presStyleCnt="3"/>
+      <dgm:prSet presAssocID="{33A5AD66-74AE-411C-A4C5-DB9ADCB40840}" presName="iconBgRect" presStyleLbl="bgShp" presStyleIdx="0" presStyleCnt="3" custLinFactX="-18778" custLinFactNeighborX="-100000"/>
       <dgm:spPr/>
     </dgm:pt>
     <dgm:pt modelId="{F8CA81CE-5738-4C52-AEDF-905373FA5280}" type="pres">
-      <dgm:prSet presAssocID="{33A5AD66-74AE-411C-A4C5-DB9ADCB40840}" presName="iconRect" presStyleLbl="node1" presStyleIdx="0" presStyleCnt="3"/>
+      <dgm:prSet presAssocID="{33A5AD66-74AE-411C-A4C5-DB9ADCB40840}" presName="iconRect" presStyleLbl="node1" presStyleIdx="0" presStyleCnt="3" custLinFactX="-100000" custLinFactNeighborX="-104792"/>
       <dgm:spPr>
         <a:blipFill>
           <a:blip xmlns:r="http://schemas.openxmlformats.org/officeDocument/2006/relationships" r:embed="rId1">
@@ -1347,7 +1347,7 @@
       <dgm:spPr/>
     </dgm:pt>
     <dgm:pt modelId="{3EE94A1F-E715-462C-ACA0-B0152E812228}" type="pres">
-      <dgm:prSet presAssocID="{33A5AD66-74AE-411C-A4C5-DB9ADCB40840}" presName="textRect" presStyleLbl="revTx" presStyleIdx="0" presStyleCnt="3">
+      <dgm:prSet presAssocID="{33A5AD66-74AE-411C-A4C5-DB9ADCB40840}" presName="textRect" presStyleLbl="revTx" presStyleIdx="0" presStyleCnt="3" custScaleX="162750">
         <dgm:presLayoutVars>
           <dgm:chMax val="1"/>
           <dgm:chPref val="1"/>
@@ -1400,7 +1400,7 @@
       <dgm:spPr/>
     </dgm:pt>
     <dgm:pt modelId="{68F1CCB5-B0F9-43C9-980D-28087853B699}" type="pres">
-      <dgm:prSet presAssocID="{858A69C1-BA14-420A-9541-E99FA78B8997}" presName="textRect" presStyleLbl="revTx" presStyleIdx="1" presStyleCnt="3">
+      <dgm:prSet presAssocID="{858A69C1-BA14-420A-9541-E99FA78B8997}" presName="textRect" presStyleLbl="revTx" presStyleIdx="1" presStyleCnt="3" custScaleX="145095" custLinFactNeighborX="30082">
         <dgm:presLayoutVars>
           <dgm:chMax val="1"/>
           <dgm:chPref val="1"/>
@@ -1417,11 +1417,11 @@
       <dgm:spPr/>
     </dgm:pt>
     <dgm:pt modelId="{D003D1F2-0934-4B2B-8B65-DF7DF62C9F1E}" type="pres">
-      <dgm:prSet presAssocID="{FCC4995C-E9E8-49FA-AFDA-62A4B0EE2FD4}" presName="iconBgRect" presStyleLbl="bgShp" presStyleIdx="2" presStyleCnt="3"/>
+      <dgm:prSet presAssocID="{FCC4995C-E9E8-49FA-AFDA-62A4B0EE2FD4}" presName="iconBgRect" presStyleLbl="bgShp" presStyleIdx="2" presStyleCnt="3" custLinFactX="-18778" custLinFactNeighborX="-100000"/>
       <dgm:spPr/>
     </dgm:pt>
     <dgm:pt modelId="{86B5C106-732A-468C-AA4F-A5621CE6D0C7}" type="pres">
-      <dgm:prSet presAssocID="{FCC4995C-E9E8-49FA-AFDA-62A4B0EE2FD4}" presName="iconRect" presStyleLbl="node1" presStyleIdx="2" presStyleCnt="3"/>
+      <dgm:prSet presAssocID="{FCC4995C-E9E8-49FA-AFDA-62A4B0EE2FD4}" presName="iconRect" presStyleLbl="node1" presStyleIdx="2" presStyleCnt="3" custLinFactX="-100000" custLinFactNeighborX="-104792"/>
       <dgm:spPr>
         <a:blipFill>
           <a:blip xmlns:r="http://schemas.openxmlformats.org/officeDocument/2006/relationships" r:embed="rId5">
@@ -1453,7 +1453,7 @@
       <dgm:spPr/>
     </dgm:pt>
     <dgm:pt modelId="{90FC7E20-7EE3-4B3D-AB40-C3354380025F}" type="pres">
-      <dgm:prSet presAssocID="{FCC4995C-E9E8-49FA-AFDA-62A4B0EE2FD4}" presName="textRect" presStyleLbl="revTx" presStyleIdx="2" presStyleCnt="3">
+      <dgm:prSet presAssocID="{FCC4995C-E9E8-49FA-AFDA-62A4B0EE2FD4}" presName="textRect" presStyleLbl="revTx" presStyleIdx="2" presStyleCnt="3" custScaleX="162750">
         <dgm:presLayoutVars>
           <dgm:chMax val="1"/>
           <dgm:chPref val="1"/>
@@ -1516,7 +1516,7 @@
       </dsp:nvSpPr>
       <dsp:spPr>
         <a:xfrm>
-          <a:off x="1191361" y="1224900"/>
+          <a:off x="6786" y="1224900"/>
           <a:ext cx="649689" cy="649689"/>
         </a:xfrm>
         <a:prstGeom prst="ellipse">
@@ -1555,7 +1555,7 @@
       </dsp:nvSpPr>
       <dsp:spPr>
         <a:xfrm>
-          <a:off x="1327796" y="1361335"/>
+          <a:off x="143212" y="1361335"/>
           <a:ext cx="376819" cy="376819"/>
         </a:xfrm>
         <a:prstGeom prst="rect">
@@ -1604,8 +1604,8 @@
       </dsp:nvSpPr>
       <dsp:spPr>
         <a:xfrm>
-          <a:off x="1980269" y="1224900"/>
-          <a:ext cx="1531410" cy="649689"/>
+          <a:off x="1086902" y="1224900"/>
+          <a:ext cx="2492370" cy="649689"/>
         </a:xfrm>
         <a:prstGeom prst="rect">
           <a:avLst/>
@@ -1647,31 +1647,31 @@
             <a:buNone/>
           </a:pPr>
           <a:r>
-            <a:rPr lang="es-CO" sz="1600" kern="1200"/>
+            <a:rPr lang="es-CO" sz="1600" kern="1200" dirty="0"/>
             <a:t>¿La variable independiente </a:t>
           </a:r>
           <a:r>
-            <a:rPr lang="es-CO" sz="1600" b="1" i="1" kern="1200"/>
+            <a:rPr lang="es-CO" sz="1600" b="1" i="1" kern="1200" dirty="0"/>
             <a:t>x </a:t>
           </a:r>
           <a:r>
-            <a:rPr lang="es-CO" sz="1600" kern="1200"/>
+            <a:rPr lang="es-CO" sz="1600" kern="1200" dirty="0"/>
             <a:t>es útil para predecir la variable de respuesta </a:t>
           </a:r>
           <a:r>
-            <a:rPr lang="es-CO" sz="1600" b="1" i="1" kern="1200"/>
+            <a:rPr lang="es-CO" sz="1600" b="1" i="1" kern="1200" dirty="0"/>
             <a:t>y</a:t>
           </a:r>
           <a:r>
-            <a:rPr lang="es-CO" sz="1600" kern="1200"/>
+            <a:rPr lang="es-CO" sz="1600" kern="1200" dirty="0"/>
             <a:t>?</a:t>
           </a:r>
-          <a:endParaRPr lang="en-US" sz="1600" kern="1200"/>
+          <a:endParaRPr lang="en-US" sz="1600" kern="1200" dirty="0"/>
         </a:p>
       </dsp:txBody>
       <dsp:txXfrm>
-        <a:off x="1980269" y="1224900"/>
-        <a:ext cx="1531410" cy="649689"/>
+        <a:off x="1086902" y="1224900"/>
+        <a:ext cx="2492370" cy="649689"/>
       </dsp:txXfrm>
     </dsp:sp>
     <dsp:sp modelId="{A86ECF6B-565F-4A82-9A44-23FAD1DD0239}">
@@ -1681,7 +1681,7 @@
       </dsp:nvSpPr>
       <dsp:spPr>
         <a:xfrm>
-          <a:off x="3778516" y="1224900"/>
+          <a:off x="3846109" y="1224900"/>
           <a:ext cx="649689" cy="649689"/>
         </a:xfrm>
         <a:prstGeom prst="ellipse">
@@ -1720,7 +1720,7 @@
       </dsp:nvSpPr>
       <dsp:spPr>
         <a:xfrm>
-          <a:off x="3914951" y="1361335"/>
+          <a:off x="3982544" y="1361335"/>
           <a:ext cx="376819" cy="376819"/>
         </a:xfrm>
         <a:prstGeom prst="rect">
@@ -1769,8 +1769,8 @@
       </dsp:nvSpPr>
       <dsp:spPr>
         <a:xfrm>
-          <a:off x="4567425" y="1224900"/>
-          <a:ext cx="1531410" cy="649689"/>
+          <a:off x="4750401" y="1224900"/>
+          <a:ext cx="2221999" cy="649689"/>
         </a:xfrm>
         <a:prstGeom prst="rect">
           <a:avLst/>
@@ -1812,27 +1812,27 @@
             <a:buNone/>
           </a:pPr>
           <a:r>
-            <a:rPr lang="es-CO" sz="1600" kern="1200"/>
+            <a:rPr lang="es-CO" sz="1600" kern="1200" dirty="0"/>
             <a:t>Si el modelo no es útil quiere decir que los valores de </a:t>
           </a:r>
           <a:r>
-            <a:rPr lang="es-CO" sz="1600" b="1" i="1" kern="1200"/>
+            <a:rPr lang="es-CO" sz="1600" b="1" i="1" kern="1200" dirty="0"/>
             <a:t>y</a:t>
           </a:r>
           <a:r>
-            <a:rPr lang="es-CO" sz="1600" kern="1200"/>
+            <a:rPr lang="es-CO" sz="1600" kern="1200" dirty="0"/>
             <a:t> no cambian cuando cambio los valores de </a:t>
           </a:r>
           <a:r>
-            <a:rPr lang="es-CO" sz="1600" b="1" i="1" kern="1200"/>
+            <a:rPr lang="es-CO" sz="1600" b="1" i="1" kern="1200" dirty="0"/>
             <a:t>x</a:t>
           </a:r>
-          <a:endParaRPr lang="en-US" sz="1600" kern="1200"/>
+          <a:endParaRPr lang="en-US" sz="1600" kern="1200" dirty="0"/>
         </a:p>
       </dsp:txBody>
       <dsp:txXfrm>
-        <a:off x="4567425" y="1224900"/>
-        <a:ext cx="1531410" cy="649689"/>
+        <a:off x="4750401" y="1224900"/>
+        <a:ext cx="2221999" cy="649689"/>
       </dsp:txXfrm>
     </dsp:sp>
     <dsp:sp modelId="{D003D1F2-0934-4B2B-8B65-DF7DF62C9F1E}">
@@ -1842,7 +1842,7 @@
       </dsp:nvSpPr>
       <dsp:spPr>
         <a:xfrm>
-          <a:off x="1191361" y="2148135"/>
+          <a:off x="6786" y="2148135"/>
           <a:ext cx="649689" cy="649689"/>
         </a:xfrm>
         <a:prstGeom prst="ellipse">
@@ -1881,7 +1881,7 @@
       </dsp:nvSpPr>
       <dsp:spPr>
         <a:xfrm>
-          <a:off x="1327796" y="2284569"/>
+          <a:off x="143212" y="2284569"/>
           <a:ext cx="376819" cy="376819"/>
         </a:xfrm>
         <a:prstGeom prst="rect">
@@ -1930,8 +1930,8 @@
       </dsp:nvSpPr>
       <dsp:spPr>
         <a:xfrm>
-          <a:off x="1980269" y="2148135"/>
-          <a:ext cx="1531410" cy="649689"/>
+          <a:off x="1086902" y="2148135"/>
+          <a:ext cx="2492370" cy="649689"/>
         </a:xfrm>
         <a:prstGeom prst="rect">
           <a:avLst/>
@@ -1973,23 +1973,23 @@
             <a:buNone/>
           </a:pPr>
           <a:r>
-            <a:rPr lang="es-CO" sz="1600" kern="1200"/>
+            <a:rPr lang="es-CO" sz="1600" kern="1200" dirty="0"/>
             <a:t>Es decir que β</a:t>
           </a:r>
           <a:r>
-            <a:rPr lang="es-CO" sz="1600" kern="1200" baseline="-25000"/>
+            <a:rPr lang="es-CO" sz="1600" kern="1200" baseline="-25000" dirty="0"/>
             <a:t>1</a:t>
           </a:r>
           <a:r>
-            <a:rPr lang="es-CO" sz="1600" kern="1200"/>
+            <a:rPr lang="es-CO" sz="1600" kern="1200" dirty="0"/>
             <a:t> es igual a 0</a:t>
           </a:r>
-          <a:endParaRPr lang="en-US" sz="1600" kern="1200"/>
+          <a:endParaRPr lang="en-US" sz="1600" kern="1200" dirty="0"/>
         </a:p>
       </dsp:txBody>
       <dsp:txXfrm>
-        <a:off x="1980269" y="2148135"/>
-        <a:ext cx="1531410" cy="649689"/>
+        <a:off x="1086902" y="2148135"/>
+        <a:ext cx="2492370" cy="649689"/>
       </dsp:txXfrm>
     </dsp:sp>
   </dsp:spTree>
@@ -19925,13 +19925,13 @@
             <p:ph idx="1"/>
             <p:extLst>
               <p:ext uri="{D42A27DB-BD31-4B8C-83A1-F6EECF244321}">
-                <p14:modId xmlns:p14="http://schemas.microsoft.com/office/powerpoint/2010/main" val="570704538"/>
+                <p14:modId xmlns:p14="http://schemas.microsoft.com/office/powerpoint/2010/main" val="2406723051"/>
               </p:ext>
             </p:extLst>
           </p:nvPr>
         </p:nvGraphicFramePr>
         <p:xfrm>
-          <a:off x="767953" y="2286000"/>
+          <a:off x="926901" y="2286000"/>
           <a:ext cx="7290197" cy="4022725"/>
         </p:xfrm>
         <a:graphic>
@@ -20006,45 +20006,47 @@
         </p:nvSpPr>
         <p:spPr/>
         <p:txBody>
-          <a:bodyPr/>
+          <a:bodyPr>
+            <a:normAutofit/>
+          </a:bodyPr>
           <a:lstStyle/>
           <a:p>
             <a:r>
-              <a:rPr lang="es-CO" dirty="0"/>
+              <a:rPr lang="es-CO" sz="3200" dirty="0"/>
               <a:t>¿Cómo podemos resolver esta duda?</a:t>
             </a:r>
           </a:p>
           <a:p>
             <a:pPr lvl="1"/>
             <a:r>
-              <a:rPr lang="es-CO" dirty="0"/>
+              <a:rPr lang="es-CO" sz="2400" dirty="0"/>
               <a:t>Prueba de hipótesis para β</a:t>
             </a:r>
             <a:r>
-              <a:rPr lang="es-CO" baseline="-25000" dirty="0"/>
+              <a:rPr lang="es-CO" sz="2400" baseline="-25000" dirty="0"/>
               <a:t>1</a:t>
             </a:r>
           </a:p>
           <a:p>
             <a:pPr lvl="1"/>
-            <a:endParaRPr lang="es-CO" baseline="-25000" dirty="0"/>
+            <a:endParaRPr lang="es-CO" sz="2400" baseline="-25000" dirty="0"/>
           </a:p>
           <a:p>
             <a:pPr marL="457200" lvl="1" indent="0">
               <a:buNone/>
             </a:pPr>
             <a:r>
-              <a:rPr lang="es-CO" dirty="0"/>
+              <a:rPr lang="es-CO" sz="2400" dirty="0"/>
               <a:t>Hipótesis nula </a:t>
             </a:r>
             <a:r>
-              <a:rPr lang="es-CO" dirty="0">
+              <a:rPr lang="es-CO" sz="2400" dirty="0">
                 <a:sym typeface="Wingdings" pitchFamily="2" charset="2"/>
               </a:rPr>
               <a:t></a:t>
             </a:r>
             <a:r>
-              <a:rPr lang="es-CO" dirty="0"/>
+              <a:rPr lang="es-CO" sz="2400" dirty="0"/>
               <a:t>  H0: β = 0</a:t>
             </a:r>
           </a:p>
@@ -20053,36 +20055,36 @@
               <a:buNone/>
             </a:pPr>
             <a:r>
-              <a:rPr lang="es-CO" dirty="0"/>
+              <a:rPr lang="es-CO" sz="2400" dirty="0"/>
               <a:t>Hipótesis alternativa </a:t>
             </a:r>
             <a:r>
-              <a:rPr lang="es-CO" dirty="0">
+              <a:rPr lang="es-CO" sz="2400" dirty="0">
                 <a:sym typeface="Wingdings" pitchFamily="2" charset="2"/>
               </a:rPr>
               <a:t>Ha: </a:t>
             </a:r>
             <a:r>
-              <a:rPr lang="es-CO" dirty="0"/>
+              <a:rPr lang="es-CO" sz="2400" dirty="0"/>
               <a:t>β ≠ 0</a:t>
             </a:r>
-            <a:endParaRPr lang="es-CO" baseline="-25000" dirty="0"/>
+            <a:endParaRPr lang="es-CO" sz="2400" baseline="-25000" dirty="0"/>
           </a:p>
           <a:p>
             <a:pPr lvl="1"/>
-            <a:endParaRPr lang="es-CO" dirty="0"/>
+            <a:endParaRPr lang="es-CO" sz="2400" dirty="0"/>
           </a:p>
           <a:p>
             <a:pPr lvl="1"/>
             <a:r>
-              <a:rPr lang="es-CO" dirty="0"/>
+              <a:rPr lang="es-CO" sz="2400" dirty="0"/>
               <a:t>Intervalo de confianza para β</a:t>
             </a:r>
             <a:r>
-              <a:rPr lang="es-CO" baseline="-25000" dirty="0"/>
+              <a:rPr lang="es-CO" sz="2400" baseline="-25000" dirty="0"/>
               <a:t>1</a:t>
             </a:r>
-            <a:endParaRPr lang="es-CO" dirty="0"/>
+            <a:endParaRPr lang="es-CO" sz="2400" dirty="0"/>
           </a:p>
         </p:txBody>
       </p:sp>
@@ -20109,8 +20111,8 @@
         </p:blipFill>
         <p:spPr bwMode="auto">
           <a:xfrm>
-            <a:off x="3203848" y="5013176"/>
-            <a:ext cx="2613364" cy="864096"/>
+            <a:off x="3441015" y="5373216"/>
+            <a:ext cx="1944216" cy="642845"/>
           </a:xfrm>
           <a:prstGeom prst="rect">
             <a:avLst/>
@@ -20173,7 +20175,7 @@
         </p:blipFill>
         <p:spPr bwMode="auto">
           <a:xfrm>
-            <a:off x="5220072" y="3208015"/>
+            <a:off x="5724128" y="3501008"/>
             <a:ext cx="3028950" cy="581025"/>
           </a:xfrm>
           <a:prstGeom prst="rect">
@@ -20278,10 +20280,15 @@
             <p:ph idx="1"/>
           </p:nvPr>
         </p:nvSpPr>
-        <p:spPr/>
+        <p:spPr>
+          <a:xfrm>
+            <a:off x="768097" y="2286000"/>
+            <a:ext cx="4627118" cy="4023360"/>
+          </a:xfrm>
+        </p:spPr>
         <p:txBody>
           <a:bodyPr>
-            <a:normAutofit/>
+            <a:normAutofit fontScale="92500" lnSpcReduction="10000"/>
           </a:bodyPr>
           <a:lstStyle/>
           <a:p>
@@ -20337,7 +20344,7 @@
             </a:r>
             <a:r>
               <a:rPr lang="es-CO" sz="1800" dirty="0"/>
-              <a:t> al valor 1-β, esto es, a la probabilidad de escoger H1 cuando esta es cierta:</a:t>
+              <a:t> al valor 1-β, esto es, a la probabilidad de escoger H1 cuando esta es cierta</a:t>
             </a:r>
           </a:p>
           <a:p>
@@ -20377,8 +20384,8 @@
         </p:blipFill>
         <p:spPr bwMode="auto">
           <a:xfrm>
-            <a:off x="2123728" y="3538906"/>
-            <a:ext cx="5126958" cy="864096"/>
+            <a:off x="1650799" y="3871748"/>
+            <a:ext cx="2861714" cy="482312"/>
           </a:xfrm>
           <a:prstGeom prst="rect">
             <a:avLst/>
@@ -20418,8 +20425,8 @@
         </p:blipFill>
         <p:spPr bwMode="auto">
           <a:xfrm>
-            <a:off x="1475656" y="4708109"/>
-            <a:ext cx="6192688" cy="432048"/>
+            <a:off x="1353370" y="4725144"/>
+            <a:ext cx="3456572" cy="241156"/>
           </a:xfrm>
           <a:prstGeom prst="rect">
             <a:avLst/>
@@ -20434,6 +20441,36 @@
               </a14:hiddenFill>
             </a:ext>
           </a:extLst>
+        </p:spPr>
+      </p:pic>
+      <p:pic>
+        <p:nvPicPr>
+          <p:cNvPr id="4" name="Imagen 3">
+            <a:extLst>
+              <a:ext uri="{FF2B5EF4-FFF2-40B4-BE49-F238E27FC236}">
+                <a16:creationId xmlns:a16="http://schemas.microsoft.com/office/drawing/2014/main" id="{3FDAFFED-1A40-49C2-861F-0573A1EE0878}"/>
+              </a:ext>
+            </a:extLst>
+          </p:cNvPr>
+          <p:cNvPicPr>
+            <a:picLocks noChangeAspect="1"/>
+          </p:cNvPicPr>
+          <p:nvPr/>
+        </p:nvPicPr>
+        <p:blipFill>
+          <a:blip r:embed="rId4"/>
+          <a:stretch>
+            <a:fillRect/>
+          </a:stretch>
+        </p:blipFill>
+        <p:spPr>
+          <a:xfrm>
+            <a:off x="5652120" y="2780928"/>
+            <a:ext cx="3341356" cy="2506017"/>
+          </a:xfrm>
+          <a:prstGeom prst="rect">
+            <a:avLst/>
+          </a:prstGeom>
         </p:spPr>
       </p:pic>
     </p:spTree>
@@ -20870,13 +20907,13 @@
         </p:nvSpPr>
         <p:spPr>
           <a:xfrm>
-            <a:off x="457200" y="1600200"/>
+            <a:off x="457200" y="1844824"/>
             <a:ext cx="8229600" cy="4853136"/>
           </a:xfrm>
         </p:spPr>
         <p:txBody>
           <a:bodyPr>
-            <a:normAutofit fontScale="85000" lnSpcReduction="10000"/>
+            <a:normAutofit fontScale="92500" lnSpcReduction="10000"/>
           </a:bodyPr>
           <a:lstStyle/>
           <a:p>
@@ -20926,18 +20963,6 @@
               <a:rPr lang="es-ES" sz="1800" dirty="0"/>
               <a:t> es:                                  y muestra finita:</a:t>
             </a:r>
-          </a:p>
-          <a:p>
-            <a:pPr marL="0" indent="0" algn="just">
-              <a:buNone/>
-            </a:pPr>
-            <a:endParaRPr lang="es-ES" sz="1800" dirty="0"/>
-          </a:p>
-          <a:p>
-            <a:pPr marL="0" indent="0" algn="just">
-              <a:buNone/>
-            </a:pPr>
-            <a:endParaRPr lang="es-ES" sz="1800" dirty="0"/>
           </a:p>
           <a:p>
             <a:pPr marL="0" indent="0" algn="just">
@@ -21019,7 +21044,7 @@
         </p:blipFill>
         <p:spPr>
           <a:xfrm>
-            <a:off x="3094895" y="2675020"/>
+            <a:off x="3203848" y="3058690"/>
             <a:ext cx="1447800" cy="285750"/>
           </a:xfrm>
           <a:prstGeom prst="rect">
@@ -21049,7 +21074,7 @@
         </p:blipFill>
         <p:spPr>
           <a:xfrm>
-            <a:off x="6318774" y="2546432"/>
+            <a:off x="6588224" y="2930102"/>
             <a:ext cx="1962150" cy="542925"/>
           </a:xfrm>
           <a:prstGeom prst="rect">
@@ -21276,7 +21301,7 @@
               <a:t>La relación entre </a:t>
             </a:r>
             <a:r>
-              <a:rPr lang="es-CO" i="1" dirty="0"/>
+              <a:rPr lang="es-CO" b="1" i="1" dirty="0"/>
               <a:t>y</a:t>
             </a:r>
             <a:r>
@@ -21292,7 +21317,7 @@
               <a:t> </a:t>
             </a:r>
             <a:r>
-              <a:rPr lang="es-CO" i="1" dirty="0"/>
+              <a:rPr lang="es-CO" b="1" i="1" dirty="0"/>
               <a:t>x</a:t>
             </a:r>
             <a:r>
@@ -22796,7 +22821,7 @@
           <a:lstStyle/>
           <a:p>
             <a:r>
-              <a:rPr lang="es-CO" dirty="0"/>
+              <a:rPr lang="es-CO" sz="3600" dirty="0"/>
               <a:t>INTERPRETACIÓN DE GRÁFICAS DE RESIDUALES</a:t>
             </a:r>
           </a:p>
@@ -23299,7 +23324,7 @@
           <a:lstStyle/>
           <a:p>
             <a:r>
-              <a:rPr lang="es-CO" dirty="0"/>
+              <a:rPr lang="es-CO" sz="3600" dirty="0"/>
               <a:t>INTERPRETACIÓN DE GRÁFICAS DE RESIDUALES</a:t>
             </a:r>
           </a:p>
@@ -35182,7 +35207,7 @@
         </p:blipFill>
         <p:spPr bwMode="auto">
           <a:xfrm>
-            <a:off x="3203848" y="4210794"/>
+            <a:off x="3448050" y="3645024"/>
             <a:ext cx="2247900" cy="514350"/>
           </a:xfrm>
           <a:prstGeom prst="rect">
